--- a/workshops/adw-journey/images/TitleImages.pptx
+++ b/workshops/adw-journey/images/TitleImages.pptx
@@ -14,11 +14,12 @@
     <p:sldId id="258" r:id="rId8"/>
     <p:sldId id="263" r:id="rId9"/>
     <p:sldId id="264" r:id="rId10"/>
+    <p:sldId id="265" r:id="rId11"/>
   </p:sldIdLst>
   <p:sldSz cx="12192000" cy="6858000"/>
   <p:notesSz cx="6858000" cy="9144000"/>
   <p:custDataLst>
-    <p:tags r:id="rId11"/>
+    <p:tags r:id="rId12"/>
   </p:custDataLst>
   <p:defaultTextStyle>
     <a:defPPr>
@@ -274,7 +275,7 @@
           <a:p>
             <a:fld id="{73F1DE3F-AD2E-4E31-AD04-7AD65E17B09F}" type="datetimeFigureOut">
               <a:rPr lang="en-US" smtClean="0"/>
-              <a:t>3/27/2018</a:t>
+              <a:t>7/9/2018</a:t>
             </a:fld>
             <a:endParaRPr lang="en-US"/>
           </a:p>
@@ -472,7 +473,7 @@
           <a:p>
             <a:fld id="{73F1DE3F-AD2E-4E31-AD04-7AD65E17B09F}" type="datetimeFigureOut">
               <a:rPr lang="en-US" smtClean="0"/>
-              <a:t>3/27/2018</a:t>
+              <a:t>7/9/2018</a:t>
             </a:fld>
             <a:endParaRPr lang="en-US"/>
           </a:p>
@@ -680,7 +681,7 @@
           <a:p>
             <a:fld id="{73F1DE3F-AD2E-4E31-AD04-7AD65E17B09F}" type="datetimeFigureOut">
               <a:rPr lang="en-US" smtClean="0"/>
-              <a:t>3/27/2018</a:t>
+              <a:t>7/9/2018</a:t>
             </a:fld>
             <a:endParaRPr lang="en-US"/>
           </a:p>
@@ -878,7 +879,7 @@
           <a:p>
             <a:fld id="{73F1DE3F-AD2E-4E31-AD04-7AD65E17B09F}" type="datetimeFigureOut">
               <a:rPr lang="en-US" smtClean="0"/>
-              <a:t>3/27/2018</a:t>
+              <a:t>7/9/2018</a:t>
             </a:fld>
             <a:endParaRPr lang="en-US"/>
           </a:p>
@@ -1153,7 +1154,7 @@
           <a:p>
             <a:fld id="{73F1DE3F-AD2E-4E31-AD04-7AD65E17B09F}" type="datetimeFigureOut">
               <a:rPr lang="en-US" smtClean="0"/>
-              <a:t>3/27/2018</a:t>
+              <a:t>7/9/2018</a:t>
             </a:fld>
             <a:endParaRPr lang="en-US"/>
           </a:p>
@@ -1418,7 +1419,7 @@
           <a:p>
             <a:fld id="{73F1DE3F-AD2E-4E31-AD04-7AD65E17B09F}" type="datetimeFigureOut">
               <a:rPr lang="en-US" smtClean="0"/>
-              <a:t>3/27/2018</a:t>
+              <a:t>7/9/2018</a:t>
             </a:fld>
             <a:endParaRPr lang="en-US"/>
           </a:p>
@@ -1830,7 +1831,7 @@
           <a:p>
             <a:fld id="{73F1DE3F-AD2E-4E31-AD04-7AD65E17B09F}" type="datetimeFigureOut">
               <a:rPr lang="en-US" smtClean="0"/>
-              <a:t>3/27/2018</a:t>
+              <a:t>7/9/2018</a:t>
             </a:fld>
             <a:endParaRPr lang="en-US"/>
           </a:p>
@@ -1971,7 +1972,7 @@
           <a:p>
             <a:fld id="{73F1DE3F-AD2E-4E31-AD04-7AD65E17B09F}" type="datetimeFigureOut">
               <a:rPr lang="en-US" smtClean="0"/>
-              <a:t>3/27/2018</a:t>
+              <a:t>7/9/2018</a:t>
             </a:fld>
             <a:endParaRPr lang="en-US"/>
           </a:p>
@@ -2084,7 +2085,7 @@
           <a:p>
             <a:fld id="{73F1DE3F-AD2E-4E31-AD04-7AD65E17B09F}" type="datetimeFigureOut">
               <a:rPr lang="en-US" smtClean="0"/>
-              <a:t>3/27/2018</a:t>
+              <a:t>7/9/2018</a:t>
             </a:fld>
             <a:endParaRPr lang="en-US"/>
           </a:p>
@@ -2395,7 +2396,7 @@
           <a:p>
             <a:fld id="{73F1DE3F-AD2E-4E31-AD04-7AD65E17B09F}" type="datetimeFigureOut">
               <a:rPr lang="en-US" smtClean="0"/>
-              <a:t>3/27/2018</a:t>
+              <a:t>7/9/2018</a:t>
             </a:fld>
             <a:endParaRPr lang="en-US"/>
           </a:p>
@@ -2683,7 +2684,7 @@
           <a:p>
             <a:fld id="{73F1DE3F-AD2E-4E31-AD04-7AD65E17B09F}" type="datetimeFigureOut">
               <a:rPr lang="en-US" smtClean="0"/>
-              <a:t>3/27/2018</a:t>
+              <a:t>7/9/2018</a:t>
             </a:fld>
             <a:endParaRPr lang="en-US"/>
           </a:p>
@@ -2924,7 +2925,7 @@
           <a:p>
             <a:fld id="{73F1DE3F-AD2E-4E31-AD04-7AD65E17B09F}" type="datetimeFigureOut">
               <a:rPr lang="en-US" smtClean="0"/>
-              <a:t>3/27/2018</a:t>
+              <a:t>7/9/2018</a:t>
             </a:fld>
             <a:endParaRPr lang="en-US"/>
           </a:p>
@@ -3469,6 +3470,160 @@
 </p:sld>
 </file>
 
+<file path=ppt/slides/slide10.xml><?xml version="1.0" encoding="utf-8"?>
+<p:sld xmlns:a="http://schemas.openxmlformats.org/drawingml/2006/main" xmlns:r="http://schemas.openxmlformats.org/officeDocument/2006/relationships" xmlns:p="http://schemas.openxmlformats.org/presentationml/2006/main">
+  <p:cSld>
+    <p:spTree>
+      <p:nvGrpSpPr>
+        <p:cNvPr id="1" name=""/>
+        <p:cNvGrpSpPr/>
+        <p:nvPr/>
+      </p:nvGrpSpPr>
+      <p:grpSpPr>
+        <a:xfrm>
+          <a:off x="0" y="0"/>
+          <a:ext cx="0" cy="0"/>
+          <a:chOff x="0" y="0"/>
+          <a:chExt cx="0" cy="0"/>
+        </a:xfrm>
+      </p:grpSpPr>
+      <p:pic>
+        <p:nvPicPr>
+          <p:cNvPr id="4" name="Picture 3">
+            <a:extLst>
+              <a:ext uri="{FF2B5EF4-FFF2-40B4-BE49-F238E27FC236}">
+                <a16:creationId xmlns:a16="http://schemas.microsoft.com/office/drawing/2014/main" id="{BC386614-F891-4DD1-AD89-9D8EC3844E7A}"/>
+              </a:ext>
+            </a:extLst>
+          </p:cNvPr>
+          <p:cNvPicPr>
+            <a:picLocks noChangeAspect="1"/>
+          </p:cNvPicPr>
+          <p:nvPr/>
+        </p:nvPicPr>
+        <p:blipFill>
+          <a:blip r:embed="rId3"/>
+          <a:stretch>
+            <a:fillRect/>
+          </a:stretch>
+        </p:blipFill>
+        <p:spPr>
+          <a:xfrm>
+            <a:off x="1479819" y="986821"/>
+            <a:ext cx="4047619" cy="4752381"/>
+          </a:xfrm>
+          <a:prstGeom prst="rect">
+            <a:avLst/>
+          </a:prstGeom>
+        </p:spPr>
+      </p:pic>
+      <p:cxnSp>
+        <p:nvCxnSpPr>
+          <p:cNvPr id="6" name="Straight Connector 5">
+            <a:extLst>
+              <a:ext uri="{FF2B5EF4-FFF2-40B4-BE49-F238E27FC236}">
+                <a16:creationId xmlns:a16="http://schemas.microsoft.com/office/drawing/2014/main" id="{776EEA6E-EA78-4AFE-BBAA-69FEEA6C6260}"/>
+              </a:ext>
+            </a:extLst>
+          </p:cNvPr>
+          <p:cNvCxnSpPr/>
+          <p:nvPr/>
+        </p:nvCxnSpPr>
+        <p:spPr>
+          <a:xfrm>
+            <a:off x="5967167" y="1187777"/>
+            <a:ext cx="0" cy="4440025"/>
+          </a:xfrm>
+          <a:prstGeom prst="line">
+            <a:avLst/>
+          </a:prstGeom>
+          <a:ln w="76200">
+            <a:solidFill>
+              <a:schemeClr val="tx1"/>
+            </a:solidFill>
+          </a:ln>
+        </p:spPr>
+        <p:style>
+          <a:lnRef idx="1">
+            <a:schemeClr val="accent1"/>
+          </a:lnRef>
+          <a:fillRef idx="0">
+            <a:schemeClr val="accent1"/>
+          </a:fillRef>
+          <a:effectRef idx="0">
+            <a:schemeClr val="accent1"/>
+          </a:effectRef>
+          <a:fontRef idx="minor">
+            <a:schemeClr val="tx1"/>
+          </a:fontRef>
+        </p:style>
+      </p:cxnSp>
+      <p:sp>
+        <p:nvSpPr>
+          <p:cNvPr id="7" name="TextBox 6">
+            <a:extLst>
+              <a:ext uri="{FF2B5EF4-FFF2-40B4-BE49-F238E27FC236}">
+                <a16:creationId xmlns:a16="http://schemas.microsoft.com/office/drawing/2014/main" id="{12DD9BC4-752C-4261-B472-C317EDF9DCE4}"/>
+              </a:ext>
+            </a:extLst>
+          </p:cNvPr>
+          <p:cNvSpPr txBox="1"/>
+          <p:nvPr/>
+        </p:nvSpPr>
+        <p:spPr>
+          <a:xfrm>
+            <a:off x="6340979" y="1546788"/>
+            <a:ext cx="5100172" cy="4154984"/>
+          </a:xfrm>
+          <a:prstGeom prst="rect">
+            <a:avLst/>
+          </a:prstGeom>
+          <a:noFill/>
+        </p:spPr>
+        <p:txBody>
+          <a:bodyPr wrap="square" rtlCol="0">
+            <a:spAutoFit/>
+          </a:bodyPr>
+          <a:lstStyle/>
+          <a:p>
+            <a:r>
+              <a:rPr lang="en-US" sz="4400" b="1" dirty="0"/>
+              <a:t>Test Drive</a:t>
+            </a:r>
+          </a:p>
+          <a:p>
+            <a:r>
+              <a:rPr lang="en-US" sz="4400" b="1" dirty="0"/>
+              <a:t>Workshop</a:t>
+            </a:r>
+          </a:p>
+          <a:p>
+            <a:endParaRPr lang="en-US" sz="4400" b="1" dirty="0"/>
+          </a:p>
+          <a:p>
+            <a:r>
+              <a:rPr lang="en-US" sz="4400" b="1" dirty="0"/>
+              <a:t>Lab 900: Create Data Visualizations from ADWC</a:t>
+            </a:r>
+          </a:p>
+        </p:txBody>
+      </p:sp>
+    </p:spTree>
+    <p:custDataLst>
+      <p:tags r:id="rId1"/>
+    </p:custDataLst>
+    <p:extLst>
+      <p:ext uri="{BB962C8B-B14F-4D97-AF65-F5344CB8AC3E}">
+        <p14:creationId xmlns:p14="http://schemas.microsoft.com/office/powerpoint/2010/main" val="2597448590"/>
+      </p:ext>
+    </p:extLst>
+  </p:cSld>
+  <p:clrMapOvr>
+    <a:masterClrMapping/>
+  </p:clrMapOvr>
+</p:sld>
+</file>
+
 <file path=ppt/slides/slide2.xml><?xml version="1.0" encoding="utf-8"?>
 <p:sld xmlns:a="http://schemas.openxmlformats.org/drawingml/2006/main" xmlns:r="http://schemas.openxmlformats.org/officeDocument/2006/relationships" xmlns:p="http://schemas.openxmlformats.org/presentationml/2006/main">
   <p:cSld>
@@ -4769,6 +4924,12 @@
 </file>
 
 <file path=ppt/tags/tag10.xml><?xml version="1.0" encoding="utf-8"?>
+<p:tagLst xmlns:a="http://schemas.openxmlformats.org/drawingml/2006/main" xmlns:r="http://schemas.openxmlformats.org/officeDocument/2006/relationships" xmlns:p="http://schemas.openxmlformats.org/presentationml/2006/main">
+  <p:tag name="ARTICULATE_SLIDE_THUMBNAIL_REFRESH" val="1"/>
+</p:tagLst>
+</file>
+
+<file path=ppt/tags/tag11.xml><?xml version="1.0" encoding="utf-8"?>
 <p:tagLst xmlns:a="http://schemas.openxmlformats.org/drawingml/2006/main" xmlns:r="http://schemas.openxmlformats.org/officeDocument/2006/relationships" xmlns:p="http://schemas.openxmlformats.org/presentationml/2006/main">
   <p:tag name="ARTICULATE_SLIDE_THUMBNAIL_REFRESH" val="1"/>
 </p:tagLst>
